--- a/Neural Network PPT.pptx
+++ b/Neural Network PPT.pptx
@@ -6952,8 +6952,19 @@
                 <a:latin typeface="Times New Roman" panose="02020603050405020304" pitchFamily="18" charset="0"/>
                 <a:cs typeface="Times New Roman" panose="02020603050405020304" pitchFamily="18" charset="0"/>
               </a:rPr>
-              <a:t> - 700744719</a:t>
-            </a:r>
+              <a:t> </a:t>
+            </a:r>
+            <a:r>
+              <a:rPr lang="en-US">
+                <a:latin typeface="Times New Roman" panose="02020603050405020304" pitchFamily="18" charset="0"/>
+                <a:cs typeface="Times New Roman" panose="02020603050405020304" pitchFamily="18" charset="0"/>
+              </a:rPr>
+              <a:t>- 700756639</a:t>
+            </a:r>
+            <a:endParaRPr lang="en-US" dirty="0">
+              <a:latin typeface="Times New Roman" panose="02020603050405020304" pitchFamily="18" charset="0"/>
+              <a:cs typeface="Times New Roman" panose="02020603050405020304" pitchFamily="18" charset="0"/>
+            </a:endParaRPr>
           </a:p>
         </p:txBody>
       </p:sp>
